--- a/Präsentation.pptx
+++ b/Präsentation.pptx
@@ -11,9 +11,11 @@
     <p:sldId id="258" r:id="rId5"/>
     <p:sldId id="259" r:id="rId6"/>
     <p:sldId id="264" r:id="rId7"/>
-    <p:sldId id="260" r:id="rId8"/>
-    <p:sldId id="262" r:id="rId9"/>
-    <p:sldId id="263" r:id="rId10"/>
+    <p:sldId id="266" r:id="rId8"/>
+    <p:sldId id="260" r:id="rId9"/>
+    <p:sldId id="262" r:id="rId10"/>
+    <p:sldId id="263" r:id="rId11"/>
+    <p:sldId id="265" r:id="rId12"/>
   </p:sldIdLst>
   <p:sldSz cx="9144000" cy="6858000" type="screen4x3"/>
   <p:notesSz cx="6858000" cy="9144000"/>
@@ -3055,7 +3057,7 @@
           <a:p>
             <a:r>
               <a:rPr lang="de-DE" dirty="0" err="1"/>
-              <a:t>WoodBlockPuzzle</a:t>
+              <a:t>BlockPuzzle</a:t>
             </a:r>
             <a:endParaRPr lang="de-DE" dirty="0"/>
           </a:p>
@@ -3087,6 +3089,184 @@
     <p:extLst>
       <p:ext uri="{BB962C8B-B14F-4D97-AF65-F5344CB8AC3E}">
         <p14:creationId xmlns:p14="http://schemas.microsoft.com/office/powerpoint/2010/main" val="126464616"/>
+      </p:ext>
+    </p:extLst>
+  </p:cSld>
+  <p:clrMapOvr>
+    <a:masterClrMapping/>
+  </p:clrMapOvr>
+</p:sld>
+</file>
+
+<file path=ppt/slides/slide10.xml><?xml version="1.0" encoding="utf-8"?>
+<p:sld xmlns:a="http://schemas.openxmlformats.org/drawingml/2006/main" xmlns:r="http://schemas.openxmlformats.org/officeDocument/2006/relationships" xmlns:p="http://schemas.openxmlformats.org/presentationml/2006/main">
+  <p:cSld>
+    <p:spTree>
+      <p:nvGrpSpPr>
+        <p:cNvPr id="1" name=""/>
+        <p:cNvGrpSpPr/>
+        <p:nvPr/>
+      </p:nvGrpSpPr>
+      <p:grpSpPr>
+        <a:xfrm>
+          <a:off x="0" y="0"/>
+          <a:ext cx="0" cy="0"/>
+          <a:chOff x="0" y="0"/>
+          <a:chExt cx="0" cy="0"/>
+        </a:xfrm>
+      </p:grpSpPr>
+      <p:sp>
+        <p:nvSpPr>
+          <p:cNvPr id="2" name="Titel 1"/>
+          <p:cNvSpPr>
+            <a:spLocks noGrp="1"/>
+          </p:cNvSpPr>
+          <p:nvPr>
+            <p:ph type="title"/>
+          </p:nvPr>
+        </p:nvSpPr>
+        <p:spPr/>
+        <p:txBody>
+          <a:bodyPr/>
+          <a:lstStyle/>
+          <a:p>
+            <a:r>
+              <a:rPr lang="de-DE" dirty="0"/>
+              <a:t>Codeabdeckung</a:t>
+            </a:r>
+          </a:p>
+        </p:txBody>
+      </p:sp>
+      <p:pic>
+        <p:nvPicPr>
+          <p:cNvPr id="5122" name="Picture 2"/>
+          <p:cNvPicPr>
+            <a:picLocks noChangeAspect="1" noChangeArrowheads="1"/>
+          </p:cNvPicPr>
+          <p:nvPr/>
+        </p:nvPicPr>
+        <p:blipFill>
+          <a:blip r:embed="rId2">
+            <a:extLst>
+              <a:ext uri="{28A0092B-C50C-407E-A947-70E740481C1C}">
+                <a14:useLocalDpi xmlns:a14="http://schemas.microsoft.com/office/drawing/2010/main" val="0"/>
+              </a:ext>
+            </a:extLst>
+          </a:blip>
+          <a:srcRect/>
+          <a:stretch/>
+        </p:blipFill>
+        <p:spPr bwMode="auto">
+          <a:xfrm>
+            <a:off x="1149900" y="1810908"/>
+            <a:ext cx="6698846" cy="2458120"/>
+          </a:xfrm>
+          <a:prstGeom prst="rect">
+            <a:avLst/>
+          </a:prstGeom>
+          <a:noFill/>
+          <a:extLst>
+            <a:ext uri="{909E8E84-426E-40DD-AFC4-6F175D3DCCD1}">
+              <a14:hiddenFill xmlns:a14="http://schemas.microsoft.com/office/drawing/2010/main">
+                <a:solidFill>
+                  <a:srgbClr val="FFFFFF"/>
+                </a:solidFill>
+              </a14:hiddenFill>
+            </a:ext>
+          </a:extLst>
+        </p:spPr>
+      </p:pic>
+    </p:spTree>
+    <p:extLst>
+      <p:ext uri="{BB962C8B-B14F-4D97-AF65-F5344CB8AC3E}">
+        <p14:creationId xmlns:p14="http://schemas.microsoft.com/office/powerpoint/2010/main" val="2252903462"/>
+      </p:ext>
+    </p:extLst>
+  </p:cSld>
+  <p:clrMapOvr>
+    <a:masterClrMapping/>
+  </p:clrMapOvr>
+</p:sld>
+</file>
+
+<file path=ppt/slides/slide11.xml><?xml version="1.0" encoding="utf-8"?>
+<p:sld xmlns:a="http://schemas.openxmlformats.org/drawingml/2006/main" xmlns:r="http://schemas.openxmlformats.org/officeDocument/2006/relationships" xmlns:p="http://schemas.openxmlformats.org/presentationml/2006/main">
+  <p:cSld>
+    <p:spTree>
+      <p:nvGrpSpPr>
+        <p:cNvPr id="1" name=""/>
+        <p:cNvGrpSpPr/>
+        <p:nvPr/>
+      </p:nvGrpSpPr>
+      <p:grpSpPr>
+        <a:xfrm>
+          <a:off x="0" y="0"/>
+          <a:ext cx="0" cy="0"/>
+          <a:chOff x="0" y="0"/>
+          <a:chExt cx="0" cy="0"/>
+        </a:xfrm>
+      </p:grpSpPr>
+      <p:sp>
+        <p:nvSpPr>
+          <p:cNvPr id="2" name="Titel 1">
+            <a:extLst>
+              <a:ext uri="{FF2B5EF4-FFF2-40B4-BE49-F238E27FC236}">
+                <a16:creationId xmlns:a16="http://schemas.microsoft.com/office/drawing/2014/main" id="{0A24F4E8-07C1-4718-B155-984DB2E3C809}"/>
+              </a:ext>
+            </a:extLst>
+          </p:cNvPr>
+          <p:cNvSpPr>
+            <a:spLocks noGrp="1"/>
+          </p:cNvSpPr>
+          <p:nvPr>
+            <p:ph type="title"/>
+          </p:nvPr>
+        </p:nvSpPr>
+        <p:spPr/>
+        <p:txBody>
+          <a:bodyPr/>
+          <a:lstStyle/>
+          <a:p>
+            <a:endParaRPr lang="de-DE"/>
+          </a:p>
+        </p:txBody>
+      </p:sp>
+      <p:pic>
+        <p:nvPicPr>
+          <p:cNvPr id="4" name="Inhaltsplatzhalter 3">
+            <a:extLst>
+              <a:ext uri="{FF2B5EF4-FFF2-40B4-BE49-F238E27FC236}">
+                <a16:creationId xmlns:a16="http://schemas.microsoft.com/office/drawing/2014/main" id="{56EFE29A-53C1-461A-8577-9A6D498856EE}"/>
+              </a:ext>
+            </a:extLst>
+          </p:cNvPr>
+          <p:cNvPicPr>
+            <a:picLocks noGrp="1" noChangeAspect="1"/>
+          </p:cNvPicPr>
+          <p:nvPr>
+            <p:ph idx="1"/>
+          </p:nvPr>
+        </p:nvPicPr>
+        <p:blipFill>
+          <a:blip r:embed="rId2"/>
+          <a:stretch>
+            <a:fillRect/>
+          </a:stretch>
+        </p:blipFill>
+        <p:spPr>
+          <a:xfrm>
+            <a:off x="3262250" y="274638"/>
+            <a:ext cx="2619500" cy="6453723"/>
+          </a:xfrm>
+          <a:prstGeom prst="rect">
+            <a:avLst/>
+          </a:prstGeom>
+        </p:spPr>
+      </p:pic>
+    </p:spTree>
+    <p:extLst>
+      <p:ext uri="{BB962C8B-B14F-4D97-AF65-F5344CB8AC3E}">
+        <p14:creationId xmlns:p14="http://schemas.microsoft.com/office/powerpoint/2010/main" val="1190000234"/>
       </p:ext>
     </p:extLst>
   </p:cSld>
@@ -3247,7 +3427,7 @@
       </p:pic>
       <p:pic>
         <p:nvPicPr>
-          <p:cNvPr id="3075" name="Picture 3" descr="D:\Dokumente\Eigene Dateien\Studium\5.Semester\Software Engineering\Präsi\FieldEmpty.PNG"/>
+          <p:cNvPr id="3075" name="Picture 3"/>
           <p:cNvPicPr>
             <a:picLocks noChangeAspect="1" noChangeArrowheads="1"/>
           </p:cNvPicPr>
@@ -3262,14 +3442,12 @@
             </a:extLst>
           </a:blip>
           <a:srcRect/>
-          <a:stretch>
-            <a:fillRect/>
-          </a:stretch>
+          <a:stretch/>
         </p:blipFill>
         <p:spPr bwMode="auto">
           <a:xfrm>
-            <a:off x="395536" y="1844823"/>
-            <a:ext cx="2592288" cy="2555879"/>
+            <a:off x="399645" y="1844823"/>
+            <a:ext cx="2584069" cy="2555879"/>
           </a:xfrm>
           <a:prstGeom prst="rect">
             <a:avLst/>
@@ -3288,7 +3466,7 @@
       </p:pic>
       <p:pic>
         <p:nvPicPr>
-          <p:cNvPr id="3076" name="Picture 4" descr="D:\Dokumente\Eigene Dateien\Studium\5.Semester\Software Engineering\Präsi\FieldPlusBlock.PNG"/>
+          <p:cNvPr id="3076" name="Picture 4"/>
           <p:cNvPicPr>
             <a:picLocks noChangeAspect="1" noChangeArrowheads="1"/>
           </p:cNvPicPr>
@@ -3303,14 +3481,12 @@
             </a:extLst>
           </a:blip>
           <a:srcRect/>
-          <a:stretch>
-            <a:fillRect/>
-          </a:stretch>
+          <a:stretch/>
         </p:blipFill>
         <p:spPr bwMode="auto">
           <a:xfrm>
-            <a:off x="6012160" y="1902777"/>
-            <a:ext cx="2613421" cy="2527027"/>
+            <a:off x="6041573" y="1902777"/>
+            <a:ext cx="2554594" cy="2527027"/>
           </a:xfrm>
           <a:prstGeom prst="rect">
             <a:avLst/>
@@ -3854,6 +4030,93 @@
       </p:grpSpPr>
       <p:sp>
         <p:nvSpPr>
+          <p:cNvPr id="2" name="Titel 1">
+            <a:extLst>
+              <a:ext uri="{FF2B5EF4-FFF2-40B4-BE49-F238E27FC236}">
+                <a16:creationId xmlns:a16="http://schemas.microsoft.com/office/drawing/2014/main" id="{6174B511-6BD8-431D-8642-5BAC0DF63501}"/>
+              </a:ext>
+            </a:extLst>
+          </p:cNvPr>
+          <p:cNvSpPr>
+            <a:spLocks noGrp="1"/>
+          </p:cNvSpPr>
+          <p:nvPr>
+            <p:ph type="title"/>
+          </p:nvPr>
+        </p:nvSpPr>
+        <p:spPr/>
+        <p:txBody>
+          <a:bodyPr/>
+          <a:lstStyle/>
+          <a:p>
+            <a:endParaRPr lang="de-DE"/>
+          </a:p>
+        </p:txBody>
+      </p:sp>
+      <p:pic>
+        <p:nvPicPr>
+          <p:cNvPr id="4" name="Inhaltsplatzhalter 3">
+            <a:extLst>
+              <a:ext uri="{FF2B5EF4-FFF2-40B4-BE49-F238E27FC236}">
+                <a16:creationId xmlns:a16="http://schemas.microsoft.com/office/drawing/2014/main" id="{94B52EA2-F70D-4D88-8BD1-C21FB03F78D6}"/>
+              </a:ext>
+            </a:extLst>
+          </p:cNvPr>
+          <p:cNvPicPr>
+            <a:picLocks noGrp="1" noChangeAspect="1"/>
+          </p:cNvPicPr>
+          <p:nvPr>
+            <p:ph idx="1"/>
+          </p:nvPr>
+        </p:nvPicPr>
+        <p:blipFill>
+          <a:blip r:embed="rId2"/>
+          <a:stretch>
+            <a:fillRect/>
+          </a:stretch>
+        </p:blipFill>
+        <p:spPr>
+          <a:xfrm>
+            <a:off x="1248985" y="771414"/>
+            <a:ext cx="6646030" cy="5315171"/>
+          </a:xfrm>
+          <a:prstGeom prst="rect">
+            <a:avLst/>
+          </a:prstGeom>
+        </p:spPr>
+      </p:pic>
+    </p:spTree>
+    <p:extLst>
+      <p:ext uri="{BB962C8B-B14F-4D97-AF65-F5344CB8AC3E}">
+        <p14:creationId xmlns:p14="http://schemas.microsoft.com/office/powerpoint/2010/main" val="635540924"/>
+      </p:ext>
+    </p:extLst>
+  </p:cSld>
+  <p:clrMapOvr>
+    <a:masterClrMapping/>
+  </p:clrMapOvr>
+</p:sld>
+</file>
+
+<file path=ppt/slides/slide8.xml><?xml version="1.0" encoding="utf-8"?>
+<p:sld xmlns:a="http://schemas.openxmlformats.org/drawingml/2006/main" xmlns:r="http://schemas.openxmlformats.org/officeDocument/2006/relationships" xmlns:p="http://schemas.openxmlformats.org/presentationml/2006/main">
+  <p:cSld>
+    <p:spTree>
+      <p:nvGrpSpPr>
+        <p:cNvPr id="1" name=""/>
+        <p:cNvGrpSpPr/>
+        <p:nvPr/>
+      </p:nvGrpSpPr>
+      <p:grpSpPr>
+        <a:xfrm>
+          <a:off x="0" y="0"/>
+          <a:ext cx="0" cy="0"/>
+          <a:chOff x="0" y="0"/>
+          <a:chExt cx="0" cy="0"/>
+        </a:xfrm>
+      </p:grpSpPr>
+      <p:sp>
+        <p:nvSpPr>
           <p:cNvPr id="2" name="Titel 1"/>
           <p:cNvSpPr>
             <a:spLocks noGrp="1"/>
@@ -3876,7 +4139,7 @@
       </p:sp>
       <p:pic>
         <p:nvPicPr>
-          <p:cNvPr id="2050" name="Picture 2" descr="D:\Dokumente\Eigene Dateien\Studium\5.Semester\Software Engineering\Präsi\FieldGreen.PNG"/>
+          <p:cNvPr id="2050" name="Picture 2"/>
           <p:cNvPicPr>
             <a:picLocks noChangeAspect="1" noChangeArrowheads="1"/>
           </p:cNvPicPr>
@@ -3891,14 +4154,12 @@
             </a:extLst>
           </a:blip>
           <a:srcRect/>
-          <a:stretch>
-            <a:fillRect/>
-          </a:stretch>
+          <a:stretch/>
         </p:blipFill>
         <p:spPr bwMode="auto">
           <a:xfrm>
-            <a:off x="890413" y="1251006"/>
-            <a:ext cx="2867856" cy="4110333"/>
+            <a:off x="890413" y="1263060"/>
+            <a:ext cx="2867856" cy="4086225"/>
           </a:xfrm>
           <a:prstGeom prst="rect">
             <a:avLst/>
@@ -4044,7 +4305,7 @@
 </p:sld>
 </file>
 
-<file path=ppt/slides/slide8.xml><?xml version="1.0" encoding="utf-8"?>
+<file path=ppt/slides/slide9.xml><?xml version="1.0" encoding="utf-8"?>
 <p:sld xmlns:a="http://schemas.openxmlformats.org/drawingml/2006/main" xmlns:r="http://schemas.openxmlformats.org/officeDocument/2006/relationships" xmlns:p="http://schemas.openxmlformats.org/presentationml/2006/main">
   <p:cSld>
     <p:spTree>
@@ -4181,99 +4442,6 @@
     <p:extLst>
       <p:ext uri="{BB962C8B-B14F-4D97-AF65-F5344CB8AC3E}">
         <p14:creationId xmlns:p14="http://schemas.microsoft.com/office/powerpoint/2010/main" val="553004070"/>
-      </p:ext>
-    </p:extLst>
-  </p:cSld>
-  <p:clrMapOvr>
-    <a:masterClrMapping/>
-  </p:clrMapOvr>
-</p:sld>
-</file>
-
-<file path=ppt/slides/slide9.xml><?xml version="1.0" encoding="utf-8"?>
-<p:sld xmlns:a="http://schemas.openxmlformats.org/drawingml/2006/main" xmlns:r="http://schemas.openxmlformats.org/officeDocument/2006/relationships" xmlns:p="http://schemas.openxmlformats.org/presentationml/2006/main">
-  <p:cSld>
-    <p:spTree>
-      <p:nvGrpSpPr>
-        <p:cNvPr id="1" name=""/>
-        <p:cNvGrpSpPr/>
-        <p:nvPr/>
-      </p:nvGrpSpPr>
-      <p:grpSpPr>
-        <a:xfrm>
-          <a:off x="0" y="0"/>
-          <a:ext cx="0" cy="0"/>
-          <a:chOff x="0" y="0"/>
-          <a:chExt cx="0" cy="0"/>
-        </a:xfrm>
-      </p:grpSpPr>
-      <p:sp>
-        <p:nvSpPr>
-          <p:cNvPr id="2" name="Titel 1"/>
-          <p:cNvSpPr>
-            <a:spLocks noGrp="1"/>
-          </p:cNvSpPr>
-          <p:nvPr>
-            <p:ph type="title"/>
-          </p:nvPr>
-        </p:nvSpPr>
-        <p:spPr/>
-        <p:txBody>
-          <a:bodyPr/>
-          <a:lstStyle/>
-          <a:p>
-            <a:r>
-              <a:rPr lang="de-DE" dirty="0"/>
-              <a:t>Codeabdeckung</a:t>
-            </a:r>
-          </a:p>
-        </p:txBody>
-      </p:sp>
-      <p:pic>
-        <p:nvPicPr>
-          <p:cNvPr id="5122" name="Picture 2" descr="D:\Dokumente\Eigene Dateien\Studium\5.Semester\Software Engineering\Präsi\CoverageIDEA.PNG"/>
-          <p:cNvPicPr>
-            <a:picLocks noChangeAspect="1" noChangeArrowheads="1"/>
-          </p:cNvPicPr>
-          <p:nvPr/>
-        </p:nvPicPr>
-        <p:blipFill>
-          <a:blip r:embed="rId2">
-            <a:extLst>
-              <a:ext uri="{28A0092B-C50C-407E-A947-70E740481C1C}">
-                <a14:useLocalDpi xmlns:a14="http://schemas.microsoft.com/office/drawing/2010/main" val="0"/>
-              </a:ext>
-            </a:extLst>
-          </a:blip>
-          <a:srcRect/>
-          <a:stretch>
-            <a:fillRect/>
-          </a:stretch>
-        </p:blipFill>
-        <p:spPr bwMode="auto">
-          <a:xfrm>
-            <a:off x="1115615" y="1810908"/>
-            <a:ext cx="6767417" cy="2458120"/>
-          </a:xfrm>
-          <a:prstGeom prst="rect">
-            <a:avLst/>
-          </a:prstGeom>
-          <a:noFill/>
-          <a:extLst>
-            <a:ext uri="{909E8E84-426E-40DD-AFC4-6F175D3DCCD1}">
-              <a14:hiddenFill xmlns:a14="http://schemas.microsoft.com/office/drawing/2010/main">
-                <a:solidFill>
-                  <a:srgbClr val="FFFFFF"/>
-                </a:solidFill>
-              </a14:hiddenFill>
-            </a:ext>
-          </a:extLst>
-        </p:spPr>
-      </p:pic>
-    </p:spTree>
-    <p:extLst>
-      <p:ext uri="{BB962C8B-B14F-4D97-AF65-F5344CB8AC3E}">
-        <p14:creationId xmlns:p14="http://schemas.microsoft.com/office/powerpoint/2010/main" val="2252903462"/>
       </p:ext>
     </p:extLst>
   </p:cSld>
